--- a/DarkLight.pptx
+++ b/DarkLight.pptx
@@ -205,7 +205,7 @@
           <a:p>
             <a:fld id="{F4A39190-FC60-4AE6-BD3C-45F98D5A23A4}" type="datetimeFigureOut">
               <a:rPr lang="ru-RU" smtClean="0"/>
-              <a:t>15.02.2023</a:t>
+              <a:t>20.02.2023</a:t>
             </a:fld>
             <a:endParaRPr lang="ru-RU"/>
           </a:p>
@@ -269,38 +269,37 @@
           <a:p>
             <a:pPr lvl="0"/>
             <a:r>
-              <a:rPr lang="ru-RU" smtClean="0"/>
+              <a:rPr lang="ru-RU"/>
               <a:t>Образец текста</a:t>
             </a:r>
           </a:p>
           <a:p>
             <a:pPr lvl="1"/>
             <a:r>
-              <a:rPr lang="ru-RU" smtClean="0"/>
+              <a:rPr lang="ru-RU"/>
               <a:t>Второй уровень</a:t>
             </a:r>
           </a:p>
           <a:p>
             <a:pPr lvl="2"/>
             <a:r>
-              <a:rPr lang="ru-RU" smtClean="0"/>
+              <a:rPr lang="ru-RU"/>
               <a:t>Третий уровень</a:t>
             </a:r>
           </a:p>
           <a:p>
             <a:pPr lvl="3"/>
             <a:r>
-              <a:rPr lang="ru-RU" smtClean="0"/>
+              <a:rPr lang="ru-RU"/>
               <a:t>Четвертый уровень</a:t>
             </a:r>
           </a:p>
           <a:p>
             <a:pPr lvl="4"/>
             <a:r>
-              <a:rPr lang="ru-RU" smtClean="0"/>
+              <a:rPr lang="ru-RU"/>
               <a:t>Пятый уровень</a:t>
             </a:r>
-            <a:endParaRPr lang="ru-RU"/>
           </a:p>
         </p:txBody>
       </p:sp>
@@ -515,10 +514,9 @@
           </a:lstStyle>
           <a:p>
             <a:r>
-              <a:rPr lang="ru-RU" smtClean="0"/>
+              <a:rPr lang="ru-RU"/>
               <a:t>Образец заголовка</a:t>
             </a:r>
-            <a:endParaRPr lang="ru-RU"/>
           </a:p>
         </p:txBody>
       </p:sp>
@@ -580,10 +578,9 @@
           </a:lstStyle>
           <a:p>
             <a:r>
-              <a:rPr lang="ru-RU" dirty="0" smtClean="0"/>
+              <a:rPr lang="ru-RU" dirty="0"/>
               <a:t>Образец подзаголовка</a:t>
             </a:r>
-            <a:endParaRPr lang="ru-RU" dirty="0"/>
           </a:p>
         </p:txBody>
       </p:sp>
@@ -604,7 +601,7 @@
           <a:p>
             <a:fld id="{F2E8C196-6E57-4D01-97F3-BE49650B6996}" type="datetimeFigureOut">
               <a:rPr lang="ru-RU" smtClean="0"/>
-              <a:t>15.02.2023</a:t>
+              <a:t>20.02.2023</a:t>
             </a:fld>
             <a:endParaRPr lang="ru-RU"/>
           </a:p>
@@ -710,10 +707,9 @@
           <a:lstStyle/>
           <a:p>
             <a:r>
-              <a:rPr lang="ru-RU" smtClean="0"/>
+              <a:rPr lang="ru-RU"/>
               <a:t>Образец заголовка</a:t>
             </a:r>
-            <a:endParaRPr lang="ru-RU"/>
           </a:p>
         </p:txBody>
       </p:sp>
@@ -734,38 +730,37 @@
           <a:p>
             <a:pPr lvl="0"/>
             <a:r>
-              <a:rPr lang="ru-RU" smtClean="0"/>
+              <a:rPr lang="ru-RU"/>
               <a:t>Образец текста</a:t>
             </a:r>
           </a:p>
           <a:p>
             <a:pPr lvl="1"/>
             <a:r>
-              <a:rPr lang="ru-RU" smtClean="0"/>
+              <a:rPr lang="ru-RU"/>
               <a:t>Второй уровень</a:t>
             </a:r>
           </a:p>
           <a:p>
             <a:pPr lvl="2"/>
             <a:r>
-              <a:rPr lang="ru-RU" smtClean="0"/>
+              <a:rPr lang="ru-RU"/>
               <a:t>Третий уровень</a:t>
             </a:r>
           </a:p>
           <a:p>
             <a:pPr lvl="3"/>
             <a:r>
-              <a:rPr lang="ru-RU" smtClean="0"/>
+              <a:rPr lang="ru-RU"/>
               <a:t>Четвертый уровень</a:t>
             </a:r>
           </a:p>
           <a:p>
             <a:pPr lvl="4"/>
             <a:r>
-              <a:rPr lang="ru-RU" smtClean="0"/>
+              <a:rPr lang="ru-RU"/>
               <a:t>Пятый уровень</a:t>
             </a:r>
-            <a:endParaRPr lang="ru-RU"/>
           </a:p>
         </p:txBody>
       </p:sp>
@@ -786,7 +781,7 @@
           <a:p>
             <a:fld id="{F2E8C196-6E57-4D01-97F3-BE49650B6996}" type="datetimeFigureOut">
               <a:rPr lang="ru-RU" smtClean="0"/>
-              <a:t>15.02.2023</a:t>
+              <a:t>20.02.2023</a:t>
             </a:fld>
             <a:endParaRPr lang="ru-RU"/>
           </a:p>
@@ -897,10 +892,9 @@
           <a:lstStyle/>
           <a:p>
             <a:r>
-              <a:rPr lang="ru-RU" smtClean="0"/>
+              <a:rPr lang="ru-RU"/>
               <a:t>Образец заголовка</a:t>
             </a:r>
-            <a:endParaRPr lang="ru-RU"/>
           </a:p>
         </p:txBody>
       </p:sp>
@@ -926,38 +920,37 @@
           <a:p>
             <a:pPr lvl="0"/>
             <a:r>
-              <a:rPr lang="ru-RU" smtClean="0"/>
+              <a:rPr lang="ru-RU"/>
               <a:t>Образец текста</a:t>
             </a:r>
           </a:p>
           <a:p>
             <a:pPr lvl="1"/>
             <a:r>
-              <a:rPr lang="ru-RU" smtClean="0"/>
+              <a:rPr lang="ru-RU"/>
               <a:t>Второй уровень</a:t>
             </a:r>
           </a:p>
           <a:p>
             <a:pPr lvl="2"/>
             <a:r>
-              <a:rPr lang="ru-RU" smtClean="0"/>
+              <a:rPr lang="ru-RU"/>
               <a:t>Третий уровень</a:t>
             </a:r>
           </a:p>
           <a:p>
             <a:pPr lvl="3"/>
             <a:r>
-              <a:rPr lang="ru-RU" smtClean="0"/>
+              <a:rPr lang="ru-RU"/>
               <a:t>Четвертый уровень</a:t>
             </a:r>
           </a:p>
           <a:p>
             <a:pPr lvl="4"/>
             <a:r>
-              <a:rPr lang="ru-RU" smtClean="0"/>
+              <a:rPr lang="ru-RU"/>
               <a:t>Пятый уровень</a:t>
             </a:r>
-            <a:endParaRPr lang="ru-RU"/>
           </a:p>
         </p:txBody>
       </p:sp>
@@ -978,7 +971,7 @@
           <a:p>
             <a:fld id="{F2E8C196-6E57-4D01-97F3-BE49650B6996}" type="datetimeFigureOut">
               <a:rPr lang="ru-RU" smtClean="0"/>
-              <a:t>15.02.2023</a:t>
+              <a:t>20.02.2023</a:t>
             </a:fld>
             <a:endParaRPr lang="ru-RU"/>
           </a:p>
@@ -1084,10 +1077,9 @@
           <a:lstStyle/>
           <a:p>
             <a:r>
-              <a:rPr lang="ru-RU" smtClean="0"/>
+              <a:rPr lang="ru-RU"/>
               <a:t>Образец заголовка</a:t>
             </a:r>
-            <a:endParaRPr lang="ru-RU"/>
           </a:p>
         </p:txBody>
       </p:sp>
@@ -1108,38 +1100,37 @@
           <a:p>
             <a:pPr lvl="0"/>
             <a:r>
-              <a:rPr lang="ru-RU" smtClean="0"/>
+              <a:rPr lang="ru-RU"/>
               <a:t>Образец текста</a:t>
             </a:r>
           </a:p>
           <a:p>
             <a:pPr lvl="1"/>
             <a:r>
-              <a:rPr lang="ru-RU" smtClean="0"/>
+              <a:rPr lang="ru-RU"/>
               <a:t>Второй уровень</a:t>
             </a:r>
           </a:p>
           <a:p>
             <a:pPr lvl="2"/>
             <a:r>
-              <a:rPr lang="ru-RU" smtClean="0"/>
+              <a:rPr lang="ru-RU"/>
               <a:t>Третий уровень</a:t>
             </a:r>
           </a:p>
           <a:p>
             <a:pPr lvl="3"/>
             <a:r>
-              <a:rPr lang="ru-RU" smtClean="0"/>
+              <a:rPr lang="ru-RU"/>
               <a:t>Четвертый уровень</a:t>
             </a:r>
           </a:p>
           <a:p>
             <a:pPr lvl="4"/>
             <a:r>
-              <a:rPr lang="ru-RU" smtClean="0"/>
+              <a:rPr lang="ru-RU"/>
               <a:t>Пятый уровень</a:t>
             </a:r>
-            <a:endParaRPr lang="ru-RU"/>
           </a:p>
         </p:txBody>
       </p:sp>
@@ -1160,7 +1151,7 @@
           <a:p>
             <a:fld id="{F2E8C196-6E57-4D01-97F3-BE49650B6996}" type="datetimeFigureOut">
               <a:rPr lang="ru-RU" smtClean="0"/>
-              <a:t>15.02.2023</a:t>
+              <a:t>20.02.2023</a:t>
             </a:fld>
             <a:endParaRPr lang="ru-RU"/>
           </a:p>
@@ -1275,10 +1266,9 @@
           </a:lstStyle>
           <a:p>
             <a:r>
-              <a:rPr lang="ru-RU" dirty="0" smtClean="0"/>
+              <a:rPr lang="ru-RU" dirty="0"/>
               <a:t>Образец заголовка</a:t>
             </a:r>
-            <a:endParaRPr lang="ru-RU" dirty="0"/>
           </a:p>
         </p:txBody>
       </p:sp>
@@ -1395,7 +1385,7 @@
           <a:p>
             <a:pPr lvl="0"/>
             <a:r>
-              <a:rPr lang="ru-RU" smtClean="0"/>
+              <a:rPr lang="ru-RU"/>
               <a:t>Образец текста</a:t>
             </a:r>
           </a:p>
@@ -1418,7 +1408,7 @@
           <a:p>
             <a:fld id="{F2E8C196-6E57-4D01-97F3-BE49650B6996}" type="datetimeFigureOut">
               <a:rPr lang="ru-RU" smtClean="0"/>
-              <a:t>15.02.2023</a:t>
+              <a:t>20.02.2023</a:t>
             </a:fld>
             <a:endParaRPr lang="ru-RU"/>
           </a:p>
@@ -1524,10 +1514,9 @@
           <a:lstStyle/>
           <a:p>
             <a:r>
-              <a:rPr lang="ru-RU" smtClean="0"/>
+              <a:rPr lang="ru-RU"/>
               <a:t>Образец заголовка</a:t>
             </a:r>
-            <a:endParaRPr lang="ru-RU"/>
           </a:p>
         </p:txBody>
       </p:sp>
@@ -1553,38 +1542,37 @@
           <a:p>
             <a:pPr lvl="0"/>
             <a:r>
-              <a:rPr lang="ru-RU" smtClean="0"/>
+              <a:rPr lang="ru-RU"/>
               <a:t>Образец текста</a:t>
             </a:r>
           </a:p>
           <a:p>
             <a:pPr lvl="1"/>
             <a:r>
-              <a:rPr lang="ru-RU" smtClean="0"/>
+              <a:rPr lang="ru-RU"/>
               <a:t>Второй уровень</a:t>
             </a:r>
           </a:p>
           <a:p>
             <a:pPr lvl="2"/>
             <a:r>
-              <a:rPr lang="ru-RU" smtClean="0"/>
+              <a:rPr lang="ru-RU"/>
               <a:t>Третий уровень</a:t>
             </a:r>
           </a:p>
           <a:p>
             <a:pPr lvl="3"/>
             <a:r>
-              <a:rPr lang="ru-RU" smtClean="0"/>
+              <a:rPr lang="ru-RU"/>
               <a:t>Четвертый уровень</a:t>
             </a:r>
           </a:p>
           <a:p>
             <a:pPr lvl="4"/>
             <a:r>
-              <a:rPr lang="ru-RU" smtClean="0"/>
+              <a:rPr lang="ru-RU"/>
               <a:t>Пятый уровень</a:t>
             </a:r>
-            <a:endParaRPr lang="ru-RU"/>
           </a:p>
         </p:txBody>
       </p:sp>
@@ -1610,38 +1598,37 @@
           <a:p>
             <a:pPr lvl="0"/>
             <a:r>
-              <a:rPr lang="ru-RU" smtClean="0"/>
+              <a:rPr lang="ru-RU"/>
               <a:t>Образец текста</a:t>
             </a:r>
           </a:p>
           <a:p>
             <a:pPr lvl="1"/>
             <a:r>
-              <a:rPr lang="ru-RU" smtClean="0"/>
+              <a:rPr lang="ru-RU"/>
               <a:t>Второй уровень</a:t>
             </a:r>
           </a:p>
           <a:p>
             <a:pPr lvl="2"/>
             <a:r>
-              <a:rPr lang="ru-RU" smtClean="0"/>
+              <a:rPr lang="ru-RU"/>
               <a:t>Третий уровень</a:t>
             </a:r>
           </a:p>
           <a:p>
             <a:pPr lvl="3"/>
             <a:r>
-              <a:rPr lang="ru-RU" smtClean="0"/>
+              <a:rPr lang="ru-RU"/>
               <a:t>Четвертый уровень</a:t>
             </a:r>
           </a:p>
           <a:p>
             <a:pPr lvl="4"/>
             <a:r>
-              <a:rPr lang="ru-RU" smtClean="0"/>
+              <a:rPr lang="ru-RU"/>
               <a:t>Пятый уровень</a:t>
             </a:r>
-            <a:endParaRPr lang="ru-RU"/>
           </a:p>
         </p:txBody>
       </p:sp>
@@ -1662,7 +1649,7 @@
           <a:p>
             <a:fld id="{F2E8C196-6E57-4D01-97F3-BE49650B6996}" type="datetimeFigureOut">
               <a:rPr lang="ru-RU" smtClean="0"/>
-              <a:t>15.02.2023</a:t>
+              <a:t>20.02.2023</a:t>
             </a:fld>
             <a:endParaRPr lang="ru-RU"/>
           </a:p>
@@ -1773,10 +1760,9 @@
           <a:lstStyle/>
           <a:p>
             <a:r>
-              <a:rPr lang="ru-RU" smtClean="0"/>
+              <a:rPr lang="ru-RU"/>
               <a:t>Образец заголовка</a:t>
             </a:r>
-            <a:endParaRPr lang="ru-RU"/>
           </a:p>
         </p:txBody>
       </p:sp>
@@ -1839,7 +1825,7 @@
           <a:p>
             <a:pPr lvl="0"/>
             <a:r>
-              <a:rPr lang="ru-RU" smtClean="0"/>
+              <a:rPr lang="ru-RU"/>
               <a:t>Образец текста</a:t>
             </a:r>
           </a:p>
@@ -1867,38 +1853,37 @@
           <a:p>
             <a:pPr lvl="0"/>
             <a:r>
-              <a:rPr lang="ru-RU" smtClean="0"/>
+              <a:rPr lang="ru-RU"/>
               <a:t>Образец текста</a:t>
             </a:r>
           </a:p>
           <a:p>
             <a:pPr lvl="1"/>
             <a:r>
-              <a:rPr lang="ru-RU" smtClean="0"/>
+              <a:rPr lang="ru-RU"/>
               <a:t>Второй уровень</a:t>
             </a:r>
           </a:p>
           <a:p>
             <a:pPr lvl="2"/>
             <a:r>
-              <a:rPr lang="ru-RU" smtClean="0"/>
+              <a:rPr lang="ru-RU"/>
               <a:t>Третий уровень</a:t>
             </a:r>
           </a:p>
           <a:p>
             <a:pPr lvl="3"/>
             <a:r>
-              <a:rPr lang="ru-RU" smtClean="0"/>
+              <a:rPr lang="ru-RU"/>
               <a:t>Четвертый уровень</a:t>
             </a:r>
           </a:p>
           <a:p>
             <a:pPr lvl="4"/>
             <a:r>
-              <a:rPr lang="ru-RU" smtClean="0"/>
+              <a:rPr lang="ru-RU"/>
               <a:t>Пятый уровень</a:t>
             </a:r>
-            <a:endParaRPr lang="ru-RU"/>
           </a:p>
         </p:txBody>
       </p:sp>
@@ -1961,7 +1946,7 @@
           <a:p>
             <a:pPr lvl="0"/>
             <a:r>
-              <a:rPr lang="ru-RU" smtClean="0"/>
+              <a:rPr lang="ru-RU"/>
               <a:t>Образец текста</a:t>
             </a:r>
           </a:p>
@@ -1989,38 +1974,37 @@
           <a:p>
             <a:pPr lvl="0"/>
             <a:r>
-              <a:rPr lang="ru-RU" smtClean="0"/>
+              <a:rPr lang="ru-RU"/>
               <a:t>Образец текста</a:t>
             </a:r>
           </a:p>
           <a:p>
             <a:pPr lvl="1"/>
             <a:r>
-              <a:rPr lang="ru-RU" smtClean="0"/>
+              <a:rPr lang="ru-RU"/>
               <a:t>Второй уровень</a:t>
             </a:r>
           </a:p>
           <a:p>
             <a:pPr lvl="2"/>
             <a:r>
-              <a:rPr lang="ru-RU" smtClean="0"/>
+              <a:rPr lang="ru-RU"/>
               <a:t>Третий уровень</a:t>
             </a:r>
           </a:p>
           <a:p>
             <a:pPr lvl="3"/>
             <a:r>
-              <a:rPr lang="ru-RU" smtClean="0"/>
+              <a:rPr lang="ru-RU"/>
               <a:t>Четвертый уровень</a:t>
             </a:r>
           </a:p>
           <a:p>
             <a:pPr lvl="4"/>
             <a:r>
-              <a:rPr lang="ru-RU" smtClean="0"/>
+              <a:rPr lang="ru-RU"/>
               <a:t>Пятый уровень</a:t>
             </a:r>
-            <a:endParaRPr lang="ru-RU"/>
           </a:p>
         </p:txBody>
       </p:sp>
@@ -2041,7 +2025,7 @@
           <a:p>
             <a:fld id="{F2E8C196-6E57-4D01-97F3-BE49650B6996}" type="datetimeFigureOut">
               <a:rPr lang="ru-RU" smtClean="0"/>
-              <a:t>15.02.2023</a:t>
+              <a:t>20.02.2023</a:t>
             </a:fld>
             <a:endParaRPr lang="ru-RU"/>
           </a:p>
@@ -2147,10 +2131,9 @@
           <a:lstStyle/>
           <a:p>
             <a:r>
-              <a:rPr lang="ru-RU" smtClean="0"/>
+              <a:rPr lang="ru-RU"/>
               <a:t>Образец заголовка</a:t>
             </a:r>
-            <a:endParaRPr lang="ru-RU"/>
           </a:p>
         </p:txBody>
       </p:sp>
@@ -2171,7 +2154,7 @@
           <a:p>
             <a:fld id="{F2E8C196-6E57-4D01-97F3-BE49650B6996}" type="datetimeFigureOut">
               <a:rPr lang="ru-RU" smtClean="0"/>
-              <a:t>15.02.2023</a:t>
+              <a:t>20.02.2023</a:t>
             </a:fld>
             <a:endParaRPr lang="ru-RU"/>
           </a:p>
@@ -2278,7 +2261,7 @@
           <a:p>
             <a:fld id="{F2E8C196-6E57-4D01-97F3-BE49650B6996}" type="datetimeFigureOut">
               <a:rPr lang="ru-RU" smtClean="0"/>
-              <a:t>15.02.2023</a:t>
+              <a:t>20.02.2023</a:t>
             </a:fld>
             <a:endParaRPr lang="ru-RU"/>
           </a:p>
@@ -2393,10 +2376,9 @@
           </a:lstStyle>
           <a:p>
             <a:r>
-              <a:rPr lang="ru-RU" smtClean="0"/>
+              <a:rPr lang="ru-RU"/>
               <a:t>Образец заголовка</a:t>
             </a:r>
-            <a:endParaRPr lang="ru-RU"/>
           </a:p>
         </p:txBody>
       </p:sp>
@@ -2450,38 +2432,37 @@
           <a:p>
             <a:pPr lvl="0"/>
             <a:r>
-              <a:rPr lang="ru-RU" smtClean="0"/>
+              <a:rPr lang="ru-RU"/>
               <a:t>Образец текста</a:t>
             </a:r>
           </a:p>
           <a:p>
             <a:pPr lvl="1"/>
             <a:r>
-              <a:rPr lang="ru-RU" smtClean="0"/>
+              <a:rPr lang="ru-RU"/>
               <a:t>Второй уровень</a:t>
             </a:r>
           </a:p>
           <a:p>
             <a:pPr lvl="2"/>
             <a:r>
-              <a:rPr lang="ru-RU" smtClean="0"/>
+              <a:rPr lang="ru-RU"/>
               <a:t>Третий уровень</a:t>
             </a:r>
           </a:p>
           <a:p>
             <a:pPr lvl="3"/>
             <a:r>
-              <a:rPr lang="ru-RU" smtClean="0"/>
+              <a:rPr lang="ru-RU"/>
               <a:t>Четвертый уровень</a:t>
             </a:r>
           </a:p>
           <a:p>
             <a:pPr lvl="4"/>
             <a:r>
-              <a:rPr lang="ru-RU" smtClean="0"/>
+              <a:rPr lang="ru-RU"/>
               <a:t>Пятый уровень</a:t>
             </a:r>
-            <a:endParaRPr lang="ru-RU"/>
           </a:p>
         </p:txBody>
       </p:sp>
@@ -2544,7 +2525,7 @@
           <a:p>
             <a:pPr lvl="0"/>
             <a:r>
-              <a:rPr lang="ru-RU" smtClean="0"/>
+              <a:rPr lang="ru-RU"/>
               <a:t>Образец текста</a:t>
             </a:r>
           </a:p>
@@ -2567,7 +2548,7 @@
           <a:p>
             <a:fld id="{F2E8C196-6E57-4D01-97F3-BE49650B6996}" type="datetimeFigureOut">
               <a:rPr lang="ru-RU" smtClean="0"/>
-              <a:t>15.02.2023</a:t>
+              <a:t>20.02.2023</a:t>
             </a:fld>
             <a:endParaRPr lang="ru-RU"/>
           </a:p>
@@ -2682,10 +2663,9 @@
           </a:lstStyle>
           <a:p>
             <a:r>
-              <a:rPr lang="ru-RU" smtClean="0"/>
+              <a:rPr lang="ru-RU"/>
               <a:t>Образец заголовка</a:t>
             </a:r>
-            <a:endParaRPr lang="ru-RU"/>
           </a:p>
         </p:txBody>
       </p:sp>
@@ -2809,7 +2789,7 @@
           <a:p>
             <a:pPr lvl="0"/>
             <a:r>
-              <a:rPr lang="ru-RU" smtClean="0"/>
+              <a:rPr lang="ru-RU"/>
               <a:t>Образец текста</a:t>
             </a:r>
           </a:p>
@@ -2832,7 +2812,7 @@
           <a:p>
             <a:fld id="{F2E8C196-6E57-4D01-97F3-BE49650B6996}" type="datetimeFigureOut">
               <a:rPr lang="ru-RU" smtClean="0"/>
-              <a:t>15.02.2023</a:t>
+              <a:t>20.02.2023</a:t>
             </a:fld>
             <a:endParaRPr lang="ru-RU"/>
           </a:p>
@@ -2953,10 +2933,9 @@
           <a:lstStyle/>
           <a:p>
             <a:r>
-              <a:rPr lang="ru-RU" smtClean="0"/>
+              <a:rPr lang="ru-RU"/>
               <a:t>Образец заголовка</a:t>
             </a:r>
-            <a:endParaRPr lang="ru-RU"/>
           </a:p>
         </p:txBody>
       </p:sp>
@@ -2987,38 +2966,37 @@
           <a:p>
             <a:pPr lvl="0"/>
             <a:r>
-              <a:rPr lang="ru-RU" smtClean="0"/>
+              <a:rPr lang="ru-RU"/>
               <a:t>Образец текста</a:t>
             </a:r>
           </a:p>
           <a:p>
             <a:pPr lvl="1"/>
             <a:r>
-              <a:rPr lang="ru-RU" smtClean="0"/>
+              <a:rPr lang="ru-RU"/>
               <a:t>Второй уровень</a:t>
             </a:r>
           </a:p>
           <a:p>
             <a:pPr lvl="2"/>
             <a:r>
-              <a:rPr lang="ru-RU" smtClean="0"/>
+              <a:rPr lang="ru-RU"/>
               <a:t>Третий уровень</a:t>
             </a:r>
           </a:p>
           <a:p>
             <a:pPr lvl="3"/>
             <a:r>
-              <a:rPr lang="ru-RU" smtClean="0"/>
+              <a:rPr lang="ru-RU"/>
               <a:t>Четвертый уровень</a:t>
             </a:r>
           </a:p>
           <a:p>
             <a:pPr lvl="4"/>
             <a:r>
-              <a:rPr lang="ru-RU" smtClean="0"/>
+              <a:rPr lang="ru-RU"/>
               <a:t>Пятый уровень</a:t>
             </a:r>
-            <a:endParaRPr lang="ru-RU"/>
           </a:p>
         </p:txBody>
       </p:sp>
@@ -3057,7 +3035,7 @@
           <a:p>
             <a:fld id="{F2E8C196-6E57-4D01-97F3-BE49650B6996}" type="datetimeFigureOut">
               <a:rPr lang="ru-RU" smtClean="0"/>
-              <a:t>15.02.2023</a:t>
+              <a:t>20.02.2023</a:t>
             </a:fld>
             <a:endParaRPr lang="ru-RU"/>
           </a:p>
@@ -3497,7 +3475,7 @@
           <a:lstStyle/>
           <a:p>
             <a:r>
-              <a:rPr lang="en-US" sz="7200" b="1" dirty="0" err="1" smtClean="0">
+              <a:rPr lang="en-US" sz="7200" b="1" dirty="0" err="1">
                 <a:latin typeface="+mj-lt"/>
               </a:rPr>
               <a:t>DarkLight</a:t>
@@ -3561,26 +3539,23 @@
           <a:lstStyle/>
           <a:p>
             <a:r>
-              <a:rPr lang="ru-RU" dirty="0" smtClean="0">
+              <a:rPr lang="ru-RU" dirty="0">
                 <a:latin typeface="+mj-lt"/>
               </a:rPr>
               <a:t>Проект выполнили Юматов Алексей и Усенков Сергей</a:t>
             </a:r>
             <a:r>
-              <a:rPr lang="en-US" dirty="0" smtClean="0">
+              <a:rPr lang="en-US" dirty="0">
                 <a:latin typeface="+mj-lt"/>
               </a:rPr>
               <a:t>,</a:t>
             </a:r>
             <a:r>
-              <a:rPr lang="ru-RU" dirty="0" smtClean="0">
+              <a:rPr lang="ru-RU" dirty="0">
                 <a:latin typeface="+mj-lt"/>
               </a:rPr>
               <a:t> ученики Лицея Академии Яндекса</a:t>
             </a:r>
-            <a:endParaRPr lang="ru-RU" dirty="0">
-              <a:latin typeface="+mj-lt"/>
-            </a:endParaRPr>
           </a:p>
         </p:txBody>
       </p:sp>
@@ -3869,14 +3844,11 @@
           <a:lstStyle/>
           <a:p>
             <a:r>
-              <a:rPr lang="ru-RU" sz="5400" b="1" dirty="0" smtClean="0">
+              <a:rPr lang="ru-RU" sz="5400" b="1" dirty="0">
                 <a:latin typeface="+mj-lt"/>
               </a:rPr>
               <a:t>Цель проекта</a:t>
             </a:r>
-            <a:endParaRPr lang="ru-RU" sz="5400" b="1" dirty="0">
-              <a:latin typeface="+mj-lt"/>
-            </a:endParaRPr>
           </a:p>
         </p:txBody>
       </p:sp>
@@ -3907,7 +3879,7 @@
               <a:buChar char="•"/>
             </a:pPr>
             <a:r>
-              <a:rPr lang="ru-RU" sz="2400" b="1" dirty="0" smtClean="0">
+              <a:rPr lang="ru-RU" sz="2400" b="1" dirty="0">
                 <a:latin typeface="+mj-lt"/>
               </a:rPr>
               <a:t>Реализация технологии распознавания рук при помощи нейронной сети</a:t>
@@ -3922,7 +3894,7 @@
               <a:buChar char="•"/>
             </a:pPr>
             <a:r>
-              <a:rPr lang="ru-RU" sz="2400" b="1" dirty="0" smtClean="0">
+              <a:rPr lang="ru-RU" sz="2400" b="1" dirty="0">
                 <a:latin typeface="+mj-lt"/>
               </a:rPr>
               <a:t>Внедрение данной технологии в игровой симулятор</a:t>
@@ -3940,19 +3912,19 @@
               <a:buChar char="•"/>
             </a:pPr>
             <a:r>
-              <a:rPr lang="ru-RU" sz="2400" b="1" dirty="0" smtClean="0">
+              <a:rPr lang="ru-RU" sz="2400" b="1" dirty="0">
                 <a:latin typeface="+mj-lt"/>
               </a:rPr>
               <a:t>Создание интересного</a:t>
             </a:r>
             <a:r>
-              <a:rPr lang="en-US" sz="2400" b="1" dirty="0" smtClean="0">
+              <a:rPr lang="en-US" sz="2400" b="1" dirty="0">
                 <a:latin typeface="+mj-lt"/>
               </a:rPr>
               <a:t>,</a:t>
             </a:r>
             <a:r>
-              <a:rPr lang="ru-RU" sz="2400" b="1" dirty="0" smtClean="0">
+              <a:rPr lang="ru-RU" sz="2400" b="1" dirty="0">
                 <a:latin typeface="+mj-lt"/>
               </a:rPr>
               <a:t> завлекающего и понятного сюжета</a:t>
@@ -3964,14 +3936,11 @@
               <a:buChar char="•"/>
             </a:pPr>
             <a:r>
-              <a:rPr lang="ru-RU" sz="2400" b="1" dirty="0" smtClean="0">
+              <a:rPr lang="ru-RU" sz="2400" b="1" dirty="0">
                 <a:latin typeface="+mj-lt"/>
               </a:rPr>
               <a:t>Знакомство рядовых пользователей с современными технологиями</a:t>
             </a:r>
-            <a:endParaRPr lang="ru-RU" sz="2400" b="1" dirty="0">
-              <a:latin typeface="+mj-lt"/>
-            </a:endParaRPr>
           </a:p>
         </p:txBody>
       </p:sp>
@@ -4476,14 +4445,11 @@
           <a:lstStyle/>
           <a:p>
             <a:r>
-              <a:rPr lang="ru-RU" sz="5400" b="1" dirty="0" smtClean="0">
+              <a:rPr lang="ru-RU" sz="5400" b="1" dirty="0">
                 <a:latin typeface="+mj-lt"/>
               </a:rPr>
               <a:t>Реализация проекта</a:t>
             </a:r>
-            <a:endParaRPr lang="ru-RU" sz="5400" b="1" dirty="0">
-              <a:latin typeface="+mj-lt"/>
-            </a:endParaRPr>
           </a:p>
         </p:txBody>
       </p:sp>
@@ -4517,18 +4483,18 @@
               <a:buChar char="•"/>
             </a:pPr>
             <a:r>
-              <a:rPr lang="ru-RU" sz="2800" dirty="0" smtClean="0">
+              <a:rPr lang="ru-RU" sz="2800" dirty="0">
                 <a:latin typeface="+mj-lt"/>
               </a:rPr>
               <a:t>Язык программирования </a:t>
             </a:r>
             <a:r>
-              <a:rPr lang="en-US" sz="2800" dirty="0" err="1" smtClean="0">
+              <a:rPr lang="en-US" sz="2800" b="1" dirty="0" err="1">
                 <a:latin typeface="+mj-lt"/>
               </a:rPr>
               <a:t>Pyhton</a:t>
             </a:r>
-            <a:endParaRPr lang="en-US" sz="2800" dirty="0" smtClean="0">
+            <a:endParaRPr lang="en-US" sz="2800" b="1" dirty="0">
               <a:latin typeface="+mj-lt"/>
             </a:endParaRPr>
           </a:p>
@@ -4541,7 +4507,7 @@
               <a:buChar char="•"/>
             </a:pPr>
             <a:r>
-              <a:rPr lang="ru-RU" sz="2800" dirty="0" err="1" smtClean="0">
+              <a:rPr lang="ru-RU" sz="2800" dirty="0" err="1">
                 <a:latin typeface="+mj-lt"/>
               </a:rPr>
               <a:t>Библиотки</a:t>
@@ -4553,36 +4519,36 @@
               <a:t> </a:t>
             </a:r>
             <a:r>
-              <a:rPr lang="en-US" sz="2800" dirty="0" err="1" smtClean="0">
+              <a:rPr lang="en-US" sz="2800" b="1" dirty="0" err="1">
                 <a:latin typeface="+mj-lt"/>
               </a:rPr>
               <a:t>pygame</a:t>
             </a:r>
             <a:r>
-              <a:rPr lang="en-US" sz="2800" dirty="0" smtClean="0">
+              <a:rPr lang="en-US" sz="2800" b="1" dirty="0">
                 <a:latin typeface="+mj-lt"/>
               </a:rPr>
               <a:t>, </a:t>
             </a:r>
             <a:r>
-              <a:rPr lang="en-US" sz="2800" dirty="0" err="1" smtClean="0">
+              <a:rPr lang="en-US" sz="2800" b="1" dirty="0" err="1">
                 <a:latin typeface="+mj-lt"/>
               </a:rPr>
               <a:t>mediapipe</a:t>
             </a:r>
             <a:r>
-              <a:rPr lang="en-US" sz="2800" dirty="0" smtClean="0">
+              <a:rPr lang="en-US" sz="2800" b="1" dirty="0">
                 <a:latin typeface="+mj-lt"/>
               </a:rPr>
               <a:t>, </a:t>
             </a:r>
             <a:r>
-              <a:rPr lang="en-US" sz="2800" dirty="0" err="1" smtClean="0">
+              <a:rPr lang="en-US" sz="2800" b="1" dirty="0" err="1">
                 <a:latin typeface="+mj-lt"/>
               </a:rPr>
               <a:t>OpenCV</a:t>
             </a:r>
-            <a:endParaRPr lang="en-US" sz="2800" dirty="0" smtClean="0">
+            <a:endParaRPr lang="en-US" sz="2800" b="1" dirty="0">
               <a:latin typeface="+mj-lt"/>
             </a:endParaRPr>
           </a:p>
@@ -4595,18 +4561,18 @@
               <a:buChar char="•"/>
             </a:pPr>
             <a:r>
-              <a:rPr lang="ru-RU" sz="2800" dirty="0" smtClean="0">
+              <a:rPr lang="ru-RU" sz="2800" dirty="0">
                 <a:latin typeface="+mj-lt"/>
               </a:rPr>
               <a:t>СУБД </a:t>
             </a:r>
             <a:r>
-              <a:rPr lang="en-US" sz="2800" dirty="0" smtClean="0">
+              <a:rPr lang="en-US" sz="2800" b="1" dirty="0">
                 <a:latin typeface="+mj-lt"/>
               </a:rPr>
               <a:t>SQLite</a:t>
             </a:r>
-            <a:endParaRPr lang="ru-RU" sz="2800" dirty="0">
+            <a:endParaRPr lang="ru-RU" sz="2800" b="1" dirty="0">
               <a:latin typeface="+mj-lt"/>
             </a:endParaRPr>
           </a:p>
@@ -5116,14 +5082,11 @@
           <a:lstStyle/>
           <a:p>
             <a:r>
-              <a:rPr lang="ru-RU" sz="5400" b="1" dirty="0" smtClean="0">
+              <a:rPr lang="ru-RU" sz="5400" b="1" dirty="0">
                 <a:latin typeface="+mj-lt"/>
               </a:rPr>
               <a:t>Структура проекта</a:t>
             </a:r>
-            <a:endParaRPr lang="ru-RU" sz="5400" b="1" dirty="0">
-              <a:latin typeface="+mj-lt"/>
-            </a:endParaRPr>
           </a:p>
         </p:txBody>
       </p:sp>
@@ -5157,7 +5120,7 @@
               <a:buChar char="•"/>
             </a:pPr>
             <a:r>
-              <a:rPr lang="ru-RU" sz="3200" dirty="0" smtClean="0">
+              <a:rPr lang="ru-RU" sz="3200" dirty="0">
                 <a:latin typeface="+mj-lt"/>
               </a:rPr>
               <a:t>Основные окна</a:t>
@@ -5172,12 +5135,12 @@
               <a:buChar char="•"/>
             </a:pPr>
             <a:r>
-              <a:rPr lang="ru-RU" sz="3200" dirty="0" smtClean="0">
+              <a:rPr lang="ru-RU" sz="3200" dirty="0">
                 <a:latin typeface="+mj-lt"/>
               </a:rPr>
               <a:t>Объекты игры</a:t>
             </a:r>
-            <a:endParaRPr lang="en-US" sz="3200" dirty="0" smtClean="0">
+            <a:endParaRPr lang="en-US" sz="3200" dirty="0">
               <a:latin typeface="+mj-lt"/>
             </a:endParaRPr>
           </a:p>
@@ -5190,14 +5153,11 @@
               <a:buChar char="•"/>
             </a:pPr>
             <a:r>
-              <a:rPr lang="ru-RU" sz="3200" dirty="0" smtClean="0">
+              <a:rPr lang="ru-RU" sz="3200" dirty="0">
                 <a:latin typeface="+mj-lt"/>
               </a:rPr>
               <a:t>Класс камеры</a:t>
             </a:r>
-            <a:endParaRPr lang="ru-RU" sz="3200" dirty="0">
-              <a:latin typeface="+mj-lt"/>
-            </a:endParaRPr>
           </a:p>
         </p:txBody>
       </p:sp>
@@ -5901,14 +5861,11 @@
           <a:lstStyle/>
           <a:p>
             <a:r>
-              <a:rPr lang="ru-RU" sz="5400" b="1" dirty="0" smtClean="0">
+              <a:rPr lang="ru-RU" sz="5400" b="1" dirty="0">
                 <a:latin typeface="+mj-lt"/>
               </a:rPr>
               <a:t>Особенности</a:t>
             </a:r>
-            <a:endParaRPr lang="ru-RU" sz="5400" b="1" dirty="0">
-              <a:latin typeface="+mj-lt"/>
-            </a:endParaRPr>
           </a:p>
         </p:txBody>
       </p:sp>
@@ -6029,23 +5986,23 @@
               <a:buChar char="•"/>
             </a:pPr>
             <a:r>
-              <a:rPr lang="ru-RU" sz="2400" dirty="0" smtClean="0">
+              <a:rPr lang="ru-RU" sz="2400" dirty="0">
                 <a:latin typeface="+mj-lt"/>
               </a:rPr>
               <a:t>Обработка рук при помощи </a:t>
             </a:r>
             <a:r>
-              <a:rPr lang="en-US" sz="2400" dirty="0" err="1" smtClean="0">
+              <a:rPr lang="en-US" sz="2400" dirty="0" err="1">
                 <a:latin typeface="+mj-lt"/>
               </a:rPr>
               <a:t>mediapipe</a:t>
             </a:r>
-            <a:endParaRPr lang="en-US" sz="2400" dirty="0" smtClean="0">
+            <a:endParaRPr lang="en-US" sz="2400" dirty="0">
               <a:latin typeface="+mj-lt"/>
             </a:endParaRPr>
           </a:p>
           <a:p>
-            <a:endParaRPr lang="ru-RU" sz="2400" dirty="0" smtClean="0">
+            <a:endParaRPr lang="ru-RU" sz="2400" dirty="0">
               <a:latin typeface="+mj-lt"/>
             </a:endParaRPr>
           </a:p>
@@ -6055,17 +6012,17 @@
               <a:buChar char="•"/>
             </a:pPr>
             <a:r>
-              <a:rPr lang="ru-RU" sz="2400" dirty="0" smtClean="0">
+              <a:rPr lang="ru-RU" sz="2400" dirty="0">
                 <a:latin typeface="+mj-lt"/>
               </a:rPr>
               <a:t>Использование асинхронного программирования</a:t>
             </a:r>
-            <a:endParaRPr lang="en-US" sz="2400" dirty="0" smtClean="0">
+            <a:endParaRPr lang="en-US" sz="2400" dirty="0">
               <a:latin typeface="+mj-lt"/>
             </a:endParaRPr>
           </a:p>
           <a:p>
-            <a:endParaRPr lang="ru-RU" sz="2400" dirty="0" smtClean="0">
+            <a:endParaRPr lang="ru-RU" sz="2400" dirty="0">
               <a:latin typeface="+mj-lt"/>
             </a:endParaRPr>
           </a:p>
@@ -6075,12 +6032,12 @@
               <a:buChar char="•"/>
             </a:pPr>
             <a:r>
-              <a:rPr lang="ru-RU" sz="2400" dirty="0" smtClean="0">
+              <a:rPr lang="ru-RU" sz="2400" dirty="0">
                 <a:latin typeface="+mj-lt"/>
               </a:rPr>
               <a:t>Интересные механики</a:t>
             </a:r>
-            <a:endParaRPr lang="en-US" sz="2400" dirty="0" smtClean="0">
+            <a:endParaRPr lang="en-US" sz="2400" dirty="0">
               <a:latin typeface="+mj-lt"/>
             </a:endParaRPr>
           </a:p>
@@ -6095,14 +6052,11 @@
               <a:buChar char="•"/>
             </a:pPr>
             <a:r>
-              <a:rPr lang="ru-RU" sz="2400" dirty="0" smtClean="0">
+              <a:rPr lang="ru-RU" sz="2400" dirty="0">
                 <a:latin typeface="+mj-lt"/>
               </a:rPr>
               <a:t>Без авторских прав</a:t>
             </a:r>
-            <a:endParaRPr lang="ru-RU" sz="2400" dirty="0">
-              <a:latin typeface="+mj-lt"/>
-            </a:endParaRPr>
           </a:p>
         </p:txBody>
       </p:sp>
@@ -7093,14 +7047,11 @@
           <a:lstStyle/>
           <a:p>
             <a:r>
-              <a:rPr lang="ru-RU" sz="5400" b="1" dirty="0" smtClean="0">
+              <a:rPr lang="ru-RU" sz="5400" b="1" dirty="0">
                 <a:latin typeface="+mj-lt"/>
               </a:rPr>
               <a:t>Дальнейшее развитие</a:t>
             </a:r>
-            <a:endParaRPr lang="ru-RU" sz="5400" b="1" dirty="0">
-              <a:latin typeface="+mj-lt"/>
-            </a:endParaRPr>
           </a:p>
         </p:txBody>
       </p:sp>
@@ -7164,19 +7115,19 @@
               <a:buChar char="•"/>
             </a:pPr>
             <a:r>
-              <a:rPr lang="ru-RU" sz="2400" dirty="0" smtClean="0">
+              <a:rPr lang="ru-RU" sz="2400" dirty="0">
                 <a:latin typeface="+mj-lt"/>
               </a:rPr>
               <a:t>Добавление новых уровней</a:t>
             </a:r>
             <a:r>
-              <a:rPr lang="en-US" sz="2400" dirty="0" smtClean="0">
+              <a:rPr lang="en-US" sz="2400" dirty="0">
                 <a:latin typeface="+mj-lt"/>
               </a:rPr>
               <a:t>, </a:t>
             </a:r>
             <a:r>
-              <a:rPr lang="ru-RU" sz="2400" dirty="0" smtClean="0">
+              <a:rPr lang="ru-RU" sz="2400" dirty="0">
                 <a:latin typeface="+mj-lt"/>
               </a:rPr>
               <a:t>врагов</a:t>
@@ -7191,7 +7142,7 @@
               <a:buChar char="•"/>
             </a:pPr>
             <a:r>
-              <a:rPr lang="ru-RU" sz="2400" dirty="0" smtClean="0">
+              <a:rPr lang="ru-RU" sz="2400" dirty="0">
                 <a:latin typeface="+mj-lt"/>
               </a:rPr>
               <a:t>Улучшение работы нейронной сети</a:t>
@@ -7206,7 +7157,7 @@
               <a:buChar char="•"/>
             </a:pPr>
             <a:r>
-              <a:rPr lang="ru-RU" sz="2400" dirty="0" smtClean="0">
+              <a:rPr lang="ru-RU" sz="2400" dirty="0">
                 <a:latin typeface="+mj-lt"/>
               </a:rPr>
               <a:t>Добавление различных звуков</a:t>
@@ -7221,14 +7172,11 @@
               <a:buChar char="•"/>
             </a:pPr>
             <a:r>
-              <a:rPr lang="ru-RU" sz="2400" dirty="0" smtClean="0">
+              <a:rPr lang="ru-RU" sz="2400" dirty="0">
                 <a:latin typeface="+mj-lt"/>
               </a:rPr>
               <a:t>Создание системы сохранений</a:t>
             </a:r>
-            <a:endParaRPr lang="ru-RU" sz="2400" dirty="0">
-              <a:latin typeface="+mj-lt"/>
-            </a:endParaRPr>
           </a:p>
         </p:txBody>
       </p:sp>
